--- a/Презентация.pptx
+++ b/Презентация.pptx
@@ -30272,7 +30272,7 @@
             </a:r>
             <a:r>
               <a:rPr lang="ru-RU" sz="1800" b="1" dirty="0"/>
-              <a:t>           - </a:t>
+              <a:t>             - </a:t>
             </a:r>
             <a:r>
               <a:rPr lang="en-US" sz="1800" b="1" dirty="0" err="1"/>
@@ -30313,7 +30313,7 @@
             </a:pPr>
             <a:r>
               <a:rPr lang="ru-RU" sz="1800" b="1" dirty="0"/>
-              <a:t>                                               - </a:t>
+              <a:t>                                                     - </a:t>
             </a:r>
             <a:r>
               <a:rPr lang="en-US" sz="1800" b="1" dirty="0"/>
@@ -30691,10 +30691,10 @@
       </p:sp>
       <p:pic>
         <p:nvPicPr>
-          <p:cNvPr id="7" name="Рисунок 6">
+          <p:cNvPr id="5" name="Рисунок 4">
             <a:extLst>
               <a:ext uri="{FF2B5EF4-FFF2-40B4-BE49-F238E27FC236}">
-                <a16:creationId xmlns:a16="http://schemas.microsoft.com/office/drawing/2014/main" id="{023B0AE3-2605-09F9-44E8-8C1EEC4F27F0}"/>
+                <a16:creationId xmlns:a16="http://schemas.microsoft.com/office/drawing/2014/main" id="{11DB9B81-5F4E-2CB5-2F1F-1D79729A9BD3}"/>
               </a:ext>
             </a:extLst>
           </p:cNvPr>
@@ -30705,13 +30705,13 @@
         </p:nvPicPr>
         <p:blipFill rotWithShape="1">
           <a:blip r:embed="rId2"/>
-          <a:srcRect r="5156"/>
+          <a:srcRect r="5102"/>
           <a:stretch/>
         </p:blipFill>
         <p:spPr>
           <a:xfrm>
-            <a:off x="314325" y="2141868"/>
-            <a:ext cx="11563350" cy="2574264"/>
+            <a:off x="609133" y="2167536"/>
+            <a:ext cx="10973733" cy="2509428"/>
           </a:xfrm>
           <a:prstGeom prst="rect">
             <a:avLst/>
@@ -31723,26 +31723,26 @@
           </a:lstStyle>
           <a:p>
             <a:r>
-              <a:rPr lang="ru-RU" sz="2000" b="1" dirty="0">
+              <a:rPr lang="ru-RU" sz="2000" dirty="0">
                 <a:latin typeface="Sabon Next LT" panose="02000500000000000000" pitchFamily="2" charset="0"/>
                 <a:cs typeface="Sabon Next LT" panose="02000500000000000000" pitchFamily="2" charset="0"/>
               </a:rPr>
               <a:t>3. Убыточные рекламные кампании составляют – 16. Коэффициент окупаемости инвестиций за июнь 2023 года по всем рекламным кампаниям -2,45%, что говорит о неэффективности большинства каналов привлечения клиентов.</a:t>
             </a:r>
-            <a:endParaRPr lang="en-US" sz="2000" b="1" dirty="0">
+            <a:endParaRPr lang="en-US" sz="2000" dirty="0">
               <a:latin typeface="Sabon Next LT" panose="02000500000000000000" pitchFamily="2" charset="0"/>
               <a:cs typeface="Sabon Next LT" panose="02000500000000000000" pitchFamily="2" charset="0"/>
             </a:endParaRPr>
           </a:p>
           <a:p>
-            <a:endParaRPr lang="ru-RU" sz="2000" b="1" dirty="0">
+            <a:endParaRPr lang="ru-RU" sz="2000" dirty="0">
               <a:latin typeface="Sabon Next LT" panose="02000500000000000000" pitchFamily="2" charset="0"/>
               <a:cs typeface="Sabon Next LT" panose="02000500000000000000" pitchFamily="2" charset="0"/>
             </a:endParaRPr>
           </a:p>
           <a:p>
             <a:r>
-              <a:rPr lang="ru-RU" sz="2000" b="1" dirty="0">
+              <a:rPr lang="ru-RU" sz="2000" dirty="0">
                 <a:latin typeface="Sabon Next LT" panose="02000500000000000000" pitchFamily="2" charset="0"/>
                 <a:cs typeface="Sabon Next LT" panose="02000500000000000000" pitchFamily="2" charset="0"/>
               </a:rPr>
@@ -31840,19 +31840,25 @@
         <p:spPr>
           <a:xfrm>
             <a:off x="3013710" y="1034765"/>
-            <a:ext cx="6766560" cy="768096"/>
+            <a:ext cx="6774102" cy="719390"/>
           </a:xfrm>
         </p:spPr>
         <p:txBody>
-          <a:bodyPr/>
+          <a:bodyPr>
+            <a:normAutofit/>
+          </a:bodyPr>
           <a:lstStyle/>
           <a:p>
             <a:r>
-              <a:rPr lang="ru-RU" dirty="0"/>
+              <a:rPr lang="ru-RU" sz="4400" dirty="0">
+                <a:latin typeface="+mj-lt"/>
+              </a:rPr>
               <a:t>рекомендации</a:t>
             </a:r>
             <a:r>
-              <a:rPr lang="en-US" dirty="0"/>
+              <a:rPr lang="en-US" sz="4400" dirty="0">
+                <a:latin typeface="+mj-lt"/>
+              </a:rPr>
               <a:t> </a:t>
             </a:r>
           </a:p>
@@ -32054,31 +32060,57 @@
               <a:buAutoNum type="arabicPeriod"/>
             </a:pPr>
             <a:r>
-              <a:rPr lang="ru-RU" sz="2400" b="1" dirty="0">
+              <a:rPr lang="ru-RU" sz="2400" dirty="0">
                 <a:latin typeface="Sabon Next LT" panose="02000500000000000000" pitchFamily="2" charset="0"/>
                 <a:cs typeface="Sabon Next LT" panose="02000500000000000000" pitchFamily="2" charset="0"/>
               </a:rPr>
               <a:t>Сокращать рекламные расходы путём отказа от убыточных каналов.</a:t>
             </a:r>
+            <a:endParaRPr lang="en-US" sz="2400" dirty="0">
+              <a:latin typeface="Sabon Next LT" panose="02000500000000000000" pitchFamily="2" charset="0"/>
+              <a:cs typeface="Sabon Next LT" panose="02000500000000000000" pitchFamily="2" charset="0"/>
+            </a:endParaRPr>
           </a:p>
           <a:p>
             <a:pPr marL="342900" indent="-342900">
               <a:buAutoNum type="arabicPeriod"/>
             </a:pPr>
-            <a:r>
-              <a:rPr lang="ru-RU" sz="2400" b="1" dirty="0">
-                <a:latin typeface="Sabon Next LT" panose="02000500000000000000" pitchFamily="2" charset="0"/>
-                <a:cs typeface="Sabon Next LT" panose="02000500000000000000" pitchFamily="2" charset="0"/>
-              </a:rPr>
-              <a:t>Доработать низкорентабельные каналы.</a:t>
-            </a:r>
+            <a:endParaRPr lang="ru-RU" sz="2400" dirty="0">
+              <a:latin typeface="Sabon Next LT" panose="02000500000000000000" pitchFamily="2" charset="0"/>
+              <a:cs typeface="Sabon Next LT" panose="02000500000000000000" pitchFamily="2" charset="0"/>
+            </a:endParaRPr>
           </a:p>
           <a:p>
             <a:pPr marL="342900" indent="-342900">
               <a:buAutoNum type="arabicPeriod"/>
             </a:pPr>
             <a:r>
-              <a:rPr lang="ru-RU" sz="2400" b="1" dirty="0">
+              <a:rPr lang="ru-RU" sz="2400" dirty="0">
+                <a:latin typeface="Sabon Next LT" panose="02000500000000000000" pitchFamily="2" charset="0"/>
+                <a:cs typeface="Sabon Next LT" panose="02000500000000000000" pitchFamily="2" charset="0"/>
+              </a:rPr>
+              <a:t>Доработать низкорентабельные каналы.</a:t>
+            </a:r>
+            <a:endParaRPr lang="en-US" sz="2400" dirty="0">
+              <a:latin typeface="Sabon Next LT" panose="02000500000000000000" pitchFamily="2" charset="0"/>
+              <a:cs typeface="Sabon Next LT" panose="02000500000000000000" pitchFamily="2" charset="0"/>
+            </a:endParaRPr>
+          </a:p>
+          <a:p>
+            <a:pPr marL="342900" indent="-342900">
+              <a:buAutoNum type="arabicPeriod"/>
+            </a:pPr>
+            <a:endParaRPr lang="ru-RU" sz="2400" dirty="0">
+              <a:latin typeface="Sabon Next LT" panose="02000500000000000000" pitchFamily="2" charset="0"/>
+              <a:cs typeface="Sabon Next LT" panose="02000500000000000000" pitchFamily="2" charset="0"/>
+            </a:endParaRPr>
+          </a:p>
+          <a:p>
+            <a:pPr marL="342900" indent="-342900">
+              <a:buAutoNum type="arabicPeriod"/>
+            </a:pPr>
+            <a:r>
+              <a:rPr lang="ru-RU" sz="2400" dirty="0">
                 <a:latin typeface="Sabon Next LT" panose="02000500000000000000" pitchFamily="2" charset="0"/>
                 <a:cs typeface="Sabon Next LT" panose="02000500000000000000" pitchFamily="2" charset="0"/>
               </a:rPr>
@@ -32277,31 +32309,6 @@
       </p:sp>
       <p:sp>
         <p:nvSpPr>
-          <p:cNvPr id="5" name="Текст 4">
-            <a:extLst>
-              <a:ext uri="{FF2B5EF4-FFF2-40B4-BE49-F238E27FC236}">
-                <a16:creationId xmlns:a16="http://schemas.microsoft.com/office/drawing/2014/main" id="{37D84B66-4980-4F84-1C09-F0A6ED14BF56}"/>
-              </a:ext>
-            </a:extLst>
-          </p:cNvPr>
-          <p:cNvSpPr>
-            <a:spLocks noGrp="1"/>
-          </p:cNvSpPr>
-          <p:nvPr>
-            <p:ph type="body" sz="quarter" idx="15"/>
-          </p:nvPr>
-        </p:nvSpPr>
-        <p:spPr/>
-        <p:txBody>
-          <a:bodyPr/>
-          <a:lstStyle/>
-          <a:p>
-            <a:endParaRPr lang="ru-BY"/>
-          </a:p>
-        </p:txBody>
-      </p:sp>
-      <p:sp>
-        <p:nvSpPr>
           <p:cNvPr id="3" name="Content Placeholder 2">
             <a:extLst>
               <a:ext uri="{FF2B5EF4-FFF2-40B4-BE49-F238E27FC236}">
@@ -32318,13 +32325,13 @@
         </p:nvSpPr>
         <p:spPr>
           <a:xfrm>
-            <a:off x="4691253" y="3359214"/>
-            <a:ext cx="4507230" cy="1468438"/>
+            <a:off x="4389120" y="3359213"/>
+            <a:ext cx="5417353" cy="2257816"/>
           </a:xfrm>
         </p:spPr>
         <p:txBody>
           <a:bodyPr>
-            <a:normAutofit fontScale="85000" lnSpcReduction="20000"/>
+            <a:normAutofit fontScale="92500" lnSpcReduction="10000"/>
           </a:bodyPr>
           <a:lstStyle/>
           <a:p>
@@ -32378,30 +32385,16 @@
             </a:r>
             <a:endParaRPr lang="en-US" dirty="0"/>
           </a:p>
-        </p:txBody>
-      </p:sp>
-      <p:sp>
-        <p:nvSpPr>
-          <p:cNvPr id="4" name="Текст 3">
-            <a:extLst>
-              <a:ext uri="{FF2B5EF4-FFF2-40B4-BE49-F238E27FC236}">
-                <a16:creationId xmlns:a16="http://schemas.microsoft.com/office/drawing/2014/main" id="{E96D22D3-CB51-411B-76EE-6A7C1EE62C20}"/>
-              </a:ext>
-            </a:extLst>
-          </p:cNvPr>
-          <p:cNvSpPr>
-            <a:spLocks noGrp="1"/>
-          </p:cNvSpPr>
-          <p:nvPr>
-            <p:ph type="body" sz="quarter" idx="14"/>
-          </p:nvPr>
-        </p:nvSpPr>
-        <p:spPr/>
-        <p:txBody>
-          <a:bodyPr/>
-          <a:lstStyle/>
           <a:p>
-            <a:endParaRPr lang="ru-BY"/>
+            <a:pPr marL="342900" indent="-342900">
+              <a:buFont typeface="Arial" panose="020B0604020202020204" pitchFamily="34" charset="0"/>
+              <a:buChar char="•"/>
+            </a:pPr>
+            <a:r>
+              <a:rPr lang="ru-RU" dirty="0"/>
+              <a:t>Рекомендации</a:t>
+            </a:r>
+            <a:endParaRPr lang="en-US" dirty="0"/>
           </a:p>
         </p:txBody>
       </p:sp>
@@ -39387,6 +39380,15 @@
 </file>
 
 <file path=customXml/item1.xml><?xml version="1.0" encoding="utf-8"?>
+<?mso-contentType ?>
+<FormTemplates xmlns="http://schemas.microsoft.com/sharepoint/v3/contenttype/forms">
+  <Display>DocumentLibraryForm</Display>
+  <Edit>DocumentLibraryForm</Edit>
+  <New>DocumentLibraryForm</New>
+</FormTemplates>
+</file>
+
+<file path=customXml/item2.xml><?xml version="1.0" encoding="utf-8"?>
 <p:properties xmlns:p="http://schemas.microsoft.com/office/2006/metadata/properties" xmlns:xsi="http://www.w3.org/2001/XMLSchema-instance" xmlns:pc="http://schemas.microsoft.com/office/infopath/2007/PartnerControls">
   <documentManagement>
     <_ip_UnifiedCompliancePolicyUIAction xmlns="http://schemas.microsoft.com/sharepoint/v3" xsi:nil="true"/>
@@ -39404,15 +39406,6 @@
     <MediaServiceKeyPoints xmlns="71af3243-3dd4-4a8d-8c0d-dd76da1f02a5" xsi:nil="true"/>
   </documentManagement>
 </p:properties>
-</file>
-
-<file path=customXml/item2.xml><?xml version="1.0" encoding="utf-8"?>
-<?mso-contentType ?>
-<FormTemplates xmlns="http://schemas.microsoft.com/sharepoint/v3/contenttype/forms">
-  <Display>DocumentLibraryForm</Display>
-  <Edit>DocumentLibraryForm</Edit>
-  <New>DocumentLibraryForm</New>
-</FormTemplates>
 </file>
 
 <file path=customXml/item3.xml><?xml version="1.0" encoding="utf-8"?>
@@ -39722,6 +39715,14 @@
 </file>
 
 <file path=customXml/itemProps1.xml><?xml version="1.0" encoding="utf-8"?>
+<ds:datastoreItem xmlns:ds="http://schemas.openxmlformats.org/officeDocument/2006/customXml" ds:itemID="{A1D2ED2F-BDEE-47B8-82AA-B088E838B0E6}">
+  <ds:schemaRefs>
+    <ds:schemaRef ds:uri="http://schemas.microsoft.com/sharepoint/v3/contenttype/forms"/>
+  </ds:schemaRefs>
+</ds:datastoreItem>
+</file>
+
+<file path=customXml/itemProps2.xml><?xml version="1.0" encoding="utf-8"?>
 <ds:datastoreItem xmlns:ds="http://schemas.openxmlformats.org/officeDocument/2006/customXml" ds:itemID="{FD7EB4D8-2DC8-4900-B296-3F8E8CD9E6AE}">
   <ds:schemaRefs>
     <ds:schemaRef ds:uri="http://schemas.microsoft.com/office/2006/metadata/properties"/>
@@ -39729,14 +39730,6 @@
     <ds:schemaRef ds:uri="http://schemas.microsoft.com/sharepoint/v3"/>
     <ds:schemaRef ds:uri="71af3243-3dd4-4a8d-8c0d-dd76da1f02a5"/>
     <ds:schemaRef ds:uri="230e9df3-be65-4c73-a93b-d1236ebd677e"/>
-  </ds:schemaRefs>
-</ds:datastoreItem>
-</file>
-
-<file path=customXml/itemProps2.xml><?xml version="1.0" encoding="utf-8"?>
-<ds:datastoreItem xmlns:ds="http://schemas.openxmlformats.org/officeDocument/2006/customXml" ds:itemID="{A1D2ED2F-BDEE-47B8-82AA-B088E838B0E6}">
-  <ds:schemaRefs>
-    <ds:schemaRef ds:uri="http://schemas.microsoft.com/sharepoint/v3/contenttype/forms"/>
   </ds:schemaRefs>
 </ds:datastoreItem>
 </file>
